--- a/PosterLearning.pptx
+++ b/PosterLearning.pptx
@@ -348,7 +348,7 @@
           <a:p>
             <a:fld id="{EBA22CC5-6453-4E18-B390-C4D13987D0B4}" type="datetimeFigureOut">
               <a:rPr lang="it-IT" smtClean="0"/>
-              <a:t>03/08/2022</a:t>
+              <a:t>13/08/2022</a:t>
             </a:fld>
             <a:endParaRPr lang="it-IT"/>
           </a:p>
@@ -1593,7 +1593,7 @@
           <a:p>
             <a:fld id="{2519B8F2-8C91-4013-8C25-D5F42D05E6CC}" type="datetimeFigureOut">
               <a:rPr lang="it-IT" smtClean="0"/>
-              <a:t>03/08/2022</a:t>
+              <a:t>13/08/2022</a:t>
             </a:fld>
             <a:endParaRPr lang="it-IT"/>
           </a:p>
@@ -1844,7 +1844,7 @@
           <a:p>
             <a:fld id="{2519B8F2-8C91-4013-8C25-D5F42D05E6CC}" type="datetimeFigureOut">
               <a:rPr lang="it-IT" smtClean="0"/>
-              <a:t>03/08/2022</a:t>
+              <a:t>13/08/2022</a:t>
             </a:fld>
             <a:endParaRPr lang="it-IT"/>
           </a:p>
@@ -2158,7 +2158,7 @@
           <a:p>
             <a:fld id="{2519B8F2-8C91-4013-8C25-D5F42D05E6CC}" type="datetimeFigureOut">
               <a:rPr lang="it-IT" smtClean="0"/>
-              <a:t>03/08/2022</a:t>
+              <a:t>13/08/2022</a:t>
             </a:fld>
             <a:endParaRPr lang="it-IT"/>
           </a:p>
@@ -2491,7 +2491,7 @@
           <a:p>
             <a:fld id="{2519B8F2-8C91-4013-8C25-D5F42D05E6CC}" type="datetimeFigureOut">
               <a:rPr lang="it-IT" smtClean="0"/>
-              <a:t>03/08/2022</a:t>
+              <a:t>13/08/2022</a:t>
             </a:fld>
             <a:endParaRPr lang="it-IT"/>
           </a:p>
@@ -2805,7 +2805,7 @@
           <a:p>
             <a:fld id="{2519B8F2-8C91-4013-8C25-D5F42D05E6CC}" type="datetimeFigureOut">
               <a:rPr lang="it-IT" smtClean="0"/>
-              <a:t>03/08/2022</a:t>
+              <a:t>13/08/2022</a:t>
             </a:fld>
             <a:endParaRPr lang="it-IT"/>
           </a:p>
@@ -3198,7 +3198,7 @@
           <a:p>
             <a:fld id="{2519B8F2-8C91-4013-8C25-D5F42D05E6CC}" type="datetimeFigureOut">
               <a:rPr lang="it-IT" smtClean="0"/>
-              <a:t>03/08/2022</a:t>
+              <a:t>13/08/2022</a:t>
             </a:fld>
             <a:endParaRPr lang="it-IT"/>
           </a:p>
@@ -3368,7 +3368,7 @@
           <a:p>
             <a:fld id="{2519B8F2-8C91-4013-8C25-D5F42D05E6CC}" type="datetimeFigureOut">
               <a:rPr lang="it-IT" smtClean="0"/>
-              <a:t>03/08/2022</a:t>
+              <a:t>13/08/2022</a:t>
             </a:fld>
             <a:endParaRPr lang="it-IT"/>
           </a:p>
@@ -3548,7 +3548,7 @@
           <a:p>
             <a:fld id="{2519B8F2-8C91-4013-8C25-D5F42D05E6CC}" type="datetimeFigureOut">
               <a:rPr lang="it-IT" smtClean="0"/>
-              <a:t>03/08/2022</a:t>
+              <a:t>13/08/2022</a:t>
             </a:fld>
             <a:endParaRPr lang="it-IT"/>
           </a:p>
@@ -3718,7 +3718,7 @@
           <a:p>
             <a:fld id="{2519B8F2-8C91-4013-8C25-D5F42D05E6CC}" type="datetimeFigureOut">
               <a:rPr lang="it-IT" smtClean="0"/>
-              <a:t>03/08/2022</a:t>
+              <a:t>13/08/2022</a:t>
             </a:fld>
             <a:endParaRPr lang="it-IT"/>
           </a:p>
@@ -3965,7 +3965,7 @@
           <a:p>
             <a:fld id="{2519B8F2-8C91-4013-8C25-D5F42D05E6CC}" type="datetimeFigureOut">
               <a:rPr lang="it-IT" smtClean="0"/>
-              <a:t>03/08/2022</a:t>
+              <a:t>13/08/2022</a:t>
             </a:fld>
             <a:endParaRPr lang="it-IT"/>
           </a:p>
@@ -4262,7 +4262,7 @@
           <a:p>
             <a:fld id="{2519B8F2-8C91-4013-8C25-D5F42D05E6CC}" type="datetimeFigureOut">
               <a:rPr lang="it-IT" smtClean="0"/>
-              <a:t>03/08/2022</a:t>
+              <a:t>13/08/2022</a:t>
             </a:fld>
             <a:endParaRPr lang="it-IT"/>
           </a:p>
@@ -4641,7 +4641,7 @@
           <a:p>
             <a:fld id="{2519B8F2-8C91-4013-8C25-D5F42D05E6CC}" type="datetimeFigureOut">
               <a:rPr lang="it-IT" smtClean="0"/>
-              <a:t>03/08/2022</a:t>
+              <a:t>13/08/2022</a:t>
             </a:fld>
             <a:endParaRPr lang="it-IT"/>
           </a:p>
@@ -4764,7 +4764,7 @@
           <a:p>
             <a:fld id="{2519B8F2-8C91-4013-8C25-D5F42D05E6CC}" type="datetimeFigureOut">
               <a:rPr lang="it-IT" smtClean="0"/>
-              <a:t>03/08/2022</a:t>
+              <a:t>13/08/2022</a:t>
             </a:fld>
             <a:endParaRPr lang="it-IT"/>
           </a:p>
@@ -4859,7 +4859,7 @@
           <a:p>
             <a:fld id="{2519B8F2-8C91-4013-8C25-D5F42D05E6CC}" type="datetimeFigureOut">
               <a:rPr lang="it-IT" smtClean="0"/>
-              <a:t>03/08/2022</a:t>
+              <a:t>13/08/2022</a:t>
             </a:fld>
             <a:endParaRPr lang="it-IT"/>
           </a:p>
@@ -5114,7 +5114,7 @@
           <a:p>
             <a:fld id="{2519B8F2-8C91-4013-8C25-D5F42D05E6CC}" type="datetimeFigureOut">
               <a:rPr lang="it-IT" smtClean="0"/>
-              <a:t>03/08/2022</a:t>
+              <a:t>13/08/2022</a:t>
             </a:fld>
             <a:endParaRPr lang="it-IT"/>
           </a:p>
@@ -5377,7 +5377,7 @@
           <a:p>
             <a:fld id="{2519B8F2-8C91-4013-8C25-D5F42D05E6CC}" type="datetimeFigureOut">
               <a:rPr lang="it-IT" smtClean="0"/>
-              <a:t>03/08/2022</a:t>
+              <a:t>13/08/2022</a:t>
             </a:fld>
             <a:endParaRPr lang="it-IT"/>
           </a:p>
@@ -6191,7 +6191,7 @@
           <a:p>
             <a:fld id="{2519B8F2-8C91-4013-8C25-D5F42D05E6CC}" type="datetimeFigureOut">
               <a:rPr lang="it-IT" smtClean="0"/>
-              <a:t>03/08/2022</a:t>
+              <a:t>13/08/2022</a:t>
             </a:fld>
             <a:endParaRPr lang="it-IT"/>
           </a:p>
@@ -28942,8 +28942,8 @@
         </p:nvGrpSpPr>
         <p:grpSpPr>
           <a:xfrm>
-            <a:off x="220182" y="39095222"/>
-            <a:ext cx="4625392" cy="3204866"/>
+            <a:off x="220182" y="39095211"/>
+            <a:ext cx="4625392" cy="3204865"/>
             <a:chOff x="7423216" y="36399019"/>
             <a:chExt cx="4620056" cy="3201169"/>
           </a:xfrm>
@@ -29131,7 +29131,7 @@
         </p:grpSp>
         <p:pic>
           <p:nvPicPr>
-            <p:cNvPr id="1032" name="Picture 8" descr="QR Codes As A Marketing Tool">
+            <p:cNvPr id="1032" name="Picture 8">
               <a:extLst>
                 <a:ext uri="{FF2B5EF4-FFF2-40B4-BE49-F238E27FC236}">
                   <a16:creationId xmlns:a16="http://schemas.microsoft.com/office/drawing/2014/main" id="{61D10A11-9F59-B0DA-9D57-8528FE3A2B9A}"/>
@@ -29143,7 +29143,7 @@
             </p:cNvPicPr>
             <p:nvPr/>
           </p:nvPicPr>
-          <p:blipFill>
+          <p:blipFill rotWithShape="1">
             <a:blip r:embed="rId18">
               <a:extLst>
                 <a:ext uri="{28A0092B-C50C-407E-A947-70E740481C1C}">
@@ -29151,15 +29151,13 @@
                 </a:ext>
               </a:extLst>
             </a:blip>
-            <a:srcRect/>
-            <a:stretch>
-              <a:fillRect/>
-            </a:stretch>
+            <a:srcRect l="6936" t="6043" r="7107" b="5883"/>
+            <a:stretch/>
           </p:blipFill>
           <p:spPr bwMode="auto">
             <a:xfrm>
-              <a:off x="9829930" y="37501162"/>
-              <a:ext cx="1990889" cy="1979178"/>
+              <a:off x="9842633" y="37471057"/>
+              <a:ext cx="1978436" cy="2027187"/>
             </a:xfrm>
             <a:prstGeom prst="rect">
               <a:avLst/>
@@ -30026,7 +30024,7 @@
           <p:nvPr/>
         </p:nvPicPr>
         <p:blipFill>
-          <a:blip r:embed="rId18">
+          <a:blip r:embed="rId25">
             <a:extLst>
               <a:ext uri="{28A0092B-C50C-407E-A947-70E740481C1C}">
                 <a14:useLocalDpi xmlns:a14="http://schemas.microsoft.com/office/drawing/2010/main" val="0"/>
@@ -30093,7 +30091,7 @@
             <p:nvPr/>
           </p:nvPicPr>
           <p:blipFill>
-            <a:blip r:embed="rId25">
+            <a:blip r:embed="rId26">
               <a:extLst>
                 <a:ext uri="{28A0092B-C50C-407E-A947-70E740481C1C}">
                   <a14:useLocalDpi xmlns:a14="http://schemas.microsoft.com/office/drawing/2010/main" val="0"/>
@@ -30129,7 +30127,7 @@
             <p:nvPr/>
           </p:nvPicPr>
           <p:blipFill>
-            <a:blip r:embed="rId25">
+            <a:blip r:embed="rId26">
               <a:extLst>
                 <a:ext uri="{28A0092B-C50C-407E-A947-70E740481C1C}">
                   <a14:useLocalDpi xmlns:a14="http://schemas.microsoft.com/office/drawing/2010/main" val="0"/>
@@ -30165,7 +30163,7 @@
             <p:nvPr/>
           </p:nvPicPr>
           <p:blipFill>
-            <a:blip r:embed="rId25">
+            <a:blip r:embed="rId26">
               <a:extLst>
                 <a:ext uri="{28A0092B-C50C-407E-A947-70E740481C1C}">
                   <a14:useLocalDpi xmlns:a14="http://schemas.microsoft.com/office/drawing/2010/main" val="0"/>

--- a/PosterLearning.pptx
+++ b/PosterLearning.pptx
@@ -348,7 +348,7 @@
           <a:p>
             <a:fld id="{EBA22CC5-6453-4E18-B390-C4D13987D0B4}" type="datetimeFigureOut">
               <a:rPr lang="it-IT" smtClean="0"/>
-              <a:t>13/08/2022</a:t>
+              <a:t>16/08/2022</a:t>
             </a:fld>
             <a:endParaRPr lang="it-IT"/>
           </a:p>
@@ -1593,7 +1593,7 @@
           <a:p>
             <a:fld id="{2519B8F2-8C91-4013-8C25-D5F42D05E6CC}" type="datetimeFigureOut">
               <a:rPr lang="it-IT" smtClean="0"/>
-              <a:t>13/08/2022</a:t>
+              <a:t>16/08/2022</a:t>
             </a:fld>
             <a:endParaRPr lang="it-IT"/>
           </a:p>
@@ -1844,7 +1844,7 @@
           <a:p>
             <a:fld id="{2519B8F2-8C91-4013-8C25-D5F42D05E6CC}" type="datetimeFigureOut">
               <a:rPr lang="it-IT" smtClean="0"/>
-              <a:t>13/08/2022</a:t>
+              <a:t>16/08/2022</a:t>
             </a:fld>
             <a:endParaRPr lang="it-IT"/>
           </a:p>
@@ -2158,7 +2158,7 @@
           <a:p>
             <a:fld id="{2519B8F2-8C91-4013-8C25-D5F42D05E6CC}" type="datetimeFigureOut">
               <a:rPr lang="it-IT" smtClean="0"/>
-              <a:t>13/08/2022</a:t>
+              <a:t>16/08/2022</a:t>
             </a:fld>
             <a:endParaRPr lang="it-IT"/>
           </a:p>
@@ -2491,7 +2491,7 @@
           <a:p>
             <a:fld id="{2519B8F2-8C91-4013-8C25-D5F42D05E6CC}" type="datetimeFigureOut">
               <a:rPr lang="it-IT" smtClean="0"/>
-              <a:t>13/08/2022</a:t>
+              <a:t>16/08/2022</a:t>
             </a:fld>
             <a:endParaRPr lang="it-IT"/>
           </a:p>
@@ -2805,7 +2805,7 @@
           <a:p>
             <a:fld id="{2519B8F2-8C91-4013-8C25-D5F42D05E6CC}" type="datetimeFigureOut">
               <a:rPr lang="it-IT" smtClean="0"/>
-              <a:t>13/08/2022</a:t>
+              <a:t>16/08/2022</a:t>
             </a:fld>
             <a:endParaRPr lang="it-IT"/>
           </a:p>
@@ -3198,7 +3198,7 @@
           <a:p>
             <a:fld id="{2519B8F2-8C91-4013-8C25-D5F42D05E6CC}" type="datetimeFigureOut">
               <a:rPr lang="it-IT" smtClean="0"/>
-              <a:t>13/08/2022</a:t>
+              <a:t>16/08/2022</a:t>
             </a:fld>
             <a:endParaRPr lang="it-IT"/>
           </a:p>
@@ -3368,7 +3368,7 @@
           <a:p>
             <a:fld id="{2519B8F2-8C91-4013-8C25-D5F42D05E6CC}" type="datetimeFigureOut">
               <a:rPr lang="it-IT" smtClean="0"/>
-              <a:t>13/08/2022</a:t>
+              <a:t>16/08/2022</a:t>
             </a:fld>
             <a:endParaRPr lang="it-IT"/>
           </a:p>
@@ -3548,7 +3548,7 @@
           <a:p>
             <a:fld id="{2519B8F2-8C91-4013-8C25-D5F42D05E6CC}" type="datetimeFigureOut">
               <a:rPr lang="it-IT" smtClean="0"/>
-              <a:t>13/08/2022</a:t>
+              <a:t>16/08/2022</a:t>
             </a:fld>
             <a:endParaRPr lang="it-IT"/>
           </a:p>
@@ -3718,7 +3718,7 @@
           <a:p>
             <a:fld id="{2519B8F2-8C91-4013-8C25-D5F42D05E6CC}" type="datetimeFigureOut">
               <a:rPr lang="it-IT" smtClean="0"/>
-              <a:t>13/08/2022</a:t>
+              <a:t>16/08/2022</a:t>
             </a:fld>
             <a:endParaRPr lang="it-IT"/>
           </a:p>
@@ -3965,7 +3965,7 @@
           <a:p>
             <a:fld id="{2519B8F2-8C91-4013-8C25-D5F42D05E6CC}" type="datetimeFigureOut">
               <a:rPr lang="it-IT" smtClean="0"/>
-              <a:t>13/08/2022</a:t>
+              <a:t>16/08/2022</a:t>
             </a:fld>
             <a:endParaRPr lang="it-IT"/>
           </a:p>
@@ -4262,7 +4262,7 @@
           <a:p>
             <a:fld id="{2519B8F2-8C91-4013-8C25-D5F42D05E6CC}" type="datetimeFigureOut">
               <a:rPr lang="it-IT" smtClean="0"/>
-              <a:t>13/08/2022</a:t>
+              <a:t>16/08/2022</a:t>
             </a:fld>
             <a:endParaRPr lang="it-IT"/>
           </a:p>
@@ -4641,7 +4641,7 @@
           <a:p>
             <a:fld id="{2519B8F2-8C91-4013-8C25-D5F42D05E6CC}" type="datetimeFigureOut">
               <a:rPr lang="it-IT" smtClean="0"/>
-              <a:t>13/08/2022</a:t>
+              <a:t>16/08/2022</a:t>
             </a:fld>
             <a:endParaRPr lang="it-IT"/>
           </a:p>
@@ -4764,7 +4764,7 @@
           <a:p>
             <a:fld id="{2519B8F2-8C91-4013-8C25-D5F42D05E6CC}" type="datetimeFigureOut">
               <a:rPr lang="it-IT" smtClean="0"/>
-              <a:t>13/08/2022</a:t>
+              <a:t>16/08/2022</a:t>
             </a:fld>
             <a:endParaRPr lang="it-IT"/>
           </a:p>
@@ -4859,7 +4859,7 @@
           <a:p>
             <a:fld id="{2519B8F2-8C91-4013-8C25-D5F42D05E6CC}" type="datetimeFigureOut">
               <a:rPr lang="it-IT" smtClean="0"/>
-              <a:t>13/08/2022</a:t>
+              <a:t>16/08/2022</a:t>
             </a:fld>
             <a:endParaRPr lang="it-IT"/>
           </a:p>
@@ -5114,7 +5114,7 @@
           <a:p>
             <a:fld id="{2519B8F2-8C91-4013-8C25-D5F42D05E6CC}" type="datetimeFigureOut">
               <a:rPr lang="it-IT" smtClean="0"/>
-              <a:t>13/08/2022</a:t>
+              <a:t>16/08/2022</a:t>
             </a:fld>
             <a:endParaRPr lang="it-IT"/>
           </a:p>
@@ -5377,7 +5377,7 @@
           <a:p>
             <a:fld id="{2519B8F2-8C91-4013-8C25-D5F42D05E6CC}" type="datetimeFigureOut">
               <a:rPr lang="it-IT" smtClean="0"/>
-              <a:t>13/08/2022</a:t>
+              <a:t>16/08/2022</a:t>
             </a:fld>
             <a:endParaRPr lang="it-IT"/>
           </a:p>
@@ -6191,7 +6191,7 @@
           <a:p>
             <a:fld id="{2519B8F2-8C91-4013-8C25-D5F42D05E6CC}" type="datetimeFigureOut">
               <a:rPr lang="it-IT" smtClean="0"/>
-              <a:t>13/08/2022</a:t>
+              <a:t>16/08/2022</a:t>
             </a:fld>
             <a:endParaRPr lang="it-IT"/>
           </a:p>
@@ -23699,10 +23699,10 @@
         </p:nvGrpSpPr>
         <p:grpSpPr>
           <a:xfrm>
-            <a:off x="10812847" y="31396142"/>
-            <a:ext cx="7278849" cy="4659541"/>
-            <a:chOff x="20859535" y="14478486"/>
-            <a:chExt cx="9939290" cy="2880901"/>
+            <a:off x="10812847" y="31396144"/>
+            <a:ext cx="7278849" cy="4981481"/>
+            <a:chOff x="20859535" y="14478487"/>
+            <a:chExt cx="9939290" cy="3079950"/>
           </a:xfrm>
         </p:grpSpPr>
         <p:grpSp>
@@ -23719,10 +23719,10 @@
           </p:nvGrpSpPr>
           <p:grpSpPr>
             <a:xfrm>
-              <a:off x="20859535" y="14478486"/>
-              <a:ext cx="9939290" cy="2880901"/>
+              <a:off x="20859535" y="14478487"/>
+              <a:ext cx="9939290" cy="2873493"/>
               <a:chOff x="2890044" y="16687800"/>
-              <a:chExt cx="13686696" cy="4089777"/>
+              <a:chExt cx="13686696" cy="4079260"/>
             </a:xfrm>
           </p:grpSpPr>
           <p:grpSp>
@@ -23740,9 +23740,9 @@
             <p:grpSpPr>
               <a:xfrm>
                 <a:off x="2890044" y="16687800"/>
-                <a:ext cx="13686696" cy="4089777"/>
+                <a:ext cx="13686696" cy="4079260"/>
                 <a:chOff x="2890044" y="16687800"/>
-                <a:chExt cx="13686696" cy="4089777"/>
+                <a:chExt cx="13686696" cy="4079260"/>
               </a:xfrm>
             </p:grpSpPr>
             <p:sp>
@@ -23807,7 +23807,7 @@
               </p:nvSpPr>
               <p:spPr>
                 <a:xfrm>
-                  <a:off x="2890044" y="17372193"/>
+                  <a:off x="2890044" y="17361676"/>
                   <a:ext cx="13686696" cy="3405384"/>
                 </a:xfrm>
                 <a:prstGeom prst="roundRect">
@@ -23917,7 +23917,7 @@
           <p:spPr>
             <a:xfrm>
               <a:off x="21015239" y="15062439"/>
-              <a:ext cx="9436986" cy="2191134"/>
+              <a:ext cx="9436986" cy="2495998"/>
             </a:xfrm>
             <a:prstGeom prst="rect">
               <a:avLst/>
@@ -24016,6 +24016,10 @@
                 <a:rPr lang="it-IT" sz="3204" dirty="0"/>
                 <a:t>state 2 := &lt;XML&gt;Text&lt;/XML&gt;</a:t>
               </a:r>
+              <a:br>
+                <a:rPr lang="it-IT" sz="3204" dirty="0"/>
+              </a:br>
+              <a:endParaRPr lang="it-IT" sz="3204" dirty="0"/>
             </a:p>
           </p:txBody>
         </p:sp>
@@ -25560,215 +25564,226 @@
               <a:lstStyle/>
               <a:p>
                 <a:r>
-                  <a:rPr lang="it-IT" sz="3204" dirty="0"/>
-                  <a:t>For </a:t>
-                </a:r>
-                <a:r>
                   <a:rPr lang="it-IT" sz="3204" dirty="0">
-                    <a:latin typeface="Cambria Math" panose="02040503050406030204" pitchFamily="18" charset="0"/>
+                    <a:latin typeface="+mj-lt"/>
                     <a:ea typeface="Cambria Math" panose="02040503050406030204" pitchFamily="18" charset="0"/>
                   </a:rPr>
-                  <a:t>∀ N</a:t>
-                </a:r>
-                <a:r>
-                  <a:rPr lang="it-IT" sz="3204" dirty="0"/>
-                  <a:t>on-</a:t>
-                </a:r>
-                <a:r>
-                  <a:rPr lang="it-IT" sz="3204" dirty="0" err="1"/>
-                  <a:t>Deterministic</a:t>
-                </a:r>
-                <a:r>
-                  <a:rPr lang="it-IT" sz="3204" dirty="0"/>
-                  <a:t> VPA V</a:t>
-                </a:r>
-                <a:r>
-                  <a:rPr lang="it-IT" sz="3204" baseline="-25000" dirty="0"/>
-                  <a:t>1</a:t>
-                </a:r>
-                <a:r>
-                  <a:rPr lang="it-IT" sz="3204" dirty="0"/>
-                  <a:t>, </a:t>
-                </a:r>
-                <a:r>
-                  <a:rPr lang="it-IT" sz="3204" dirty="0" err="1"/>
-                  <a:t>there</a:t>
-                </a:r>
-                <a:r>
-                  <a:rPr lang="it-IT" sz="3204" dirty="0"/>
-                  <a:t> </a:t>
-                </a:r>
-                <a:r>
-                  <a:rPr lang="it-IT" sz="3204" dirty="0">
-                    <a:latin typeface="Cambria Math" panose="02040503050406030204" pitchFamily="18" charset="0"/>
-                    <a:ea typeface="Cambria Math" panose="02040503050406030204" pitchFamily="18" charset="0"/>
-                  </a:rPr>
-                  <a:t>∃ a </a:t>
+                  <a:t>For ∀ Non-</a:t>
                 </a:r>
                 <a:r>
                   <a:rPr lang="it-IT" sz="3204" dirty="0" err="1">
-                    <a:latin typeface="Cambria Math" panose="02040503050406030204" pitchFamily="18" charset="0"/>
+                    <a:latin typeface="+mj-lt"/>
                     <a:ea typeface="Cambria Math" panose="02040503050406030204" pitchFamily="18" charset="0"/>
                   </a:rPr>
                   <a:t>Deterministic</a:t>
                 </a:r>
                 <a:r>
                   <a:rPr lang="it-IT" sz="3204" dirty="0">
-                    <a:latin typeface="Cambria Math" panose="02040503050406030204" pitchFamily="18" charset="0"/>
+                    <a:latin typeface="+mj-lt"/>
                     <a:ea typeface="Cambria Math" panose="02040503050406030204" pitchFamily="18" charset="0"/>
                   </a:rPr>
                   <a:t> VPA V</a:t>
                 </a:r>
                 <a:r>
                   <a:rPr lang="it-IT" sz="3204" baseline="-25000" dirty="0">
-                    <a:latin typeface="Cambria Math" panose="02040503050406030204" pitchFamily="18" charset="0"/>
+                    <a:latin typeface="+mj-lt"/>
+                    <a:ea typeface="Cambria Math" panose="02040503050406030204" pitchFamily="18" charset="0"/>
+                  </a:rPr>
+                  <a:t>1</a:t>
+                </a:r>
+                <a:r>
+                  <a:rPr lang="it-IT" sz="3204" dirty="0">
+                    <a:latin typeface="+mj-lt"/>
+                    <a:ea typeface="Cambria Math" panose="02040503050406030204" pitchFamily="18" charset="0"/>
+                  </a:rPr>
+                  <a:t>, </a:t>
+                </a:r>
+                <a:r>
+                  <a:rPr lang="it-IT" sz="3204" dirty="0" err="1">
+                    <a:latin typeface="+mj-lt"/>
+                    <a:ea typeface="Cambria Math" panose="02040503050406030204" pitchFamily="18" charset="0"/>
+                  </a:rPr>
+                  <a:t>there</a:t>
+                </a:r>
+                <a:r>
+                  <a:rPr lang="it-IT" sz="3204" dirty="0">
+                    <a:latin typeface="+mj-lt"/>
+                    <a:ea typeface="Cambria Math" panose="02040503050406030204" pitchFamily="18" charset="0"/>
+                  </a:rPr>
+                  <a:t> ∃ a </a:t>
+                </a:r>
+                <a:r>
+                  <a:rPr lang="it-IT" sz="3204" dirty="0" err="1">
+                    <a:latin typeface="+mj-lt"/>
+                    <a:ea typeface="Cambria Math" panose="02040503050406030204" pitchFamily="18" charset="0"/>
+                  </a:rPr>
+                  <a:t>Deterministic</a:t>
+                </a:r>
+                <a:r>
+                  <a:rPr lang="it-IT" sz="3204" dirty="0">
+                    <a:latin typeface="+mj-lt"/>
+                    <a:ea typeface="Cambria Math" panose="02040503050406030204" pitchFamily="18" charset="0"/>
+                  </a:rPr>
+                  <a:t> VPA V</a:t>
+                </a:r>
+                <a:r>
+                  <a:rPr lang="it-IT" sz="3204" baseline="-25000" dirty="0">
+                    <a:latin typeface="+mj-lt"/>
                     <a:ea typeface="Cambria Math" panose="02040503050406030204" pitchFamily="18" charset="0"/>
                   </a:rPr>
                   <a:t>2 </a:t>
                 </a:r>
                 <a:r>
                   <a:rPr lang="it-IT" sz="3204" dirty="0" err="1">
-                    <a:latin typeface="Cambria Math" panose="02040503050406030204" pitchFamily="18" charset="0"/>
+                    <a:latin typeface="+mj-lt"/>
                     <a:ea typeface="Cambria Math" panose="02040503050406030204" pitchFamily="18" charset="0"/>
                   </a:rPr>
                   <a:t>such</a:t>
                 </a:r>
                 <a:r>
                   <a:rPr lang="it-IT" sz="3204" dirty="0">
-                    <a:latin typeface="Cambria Math" panose="02040503050406030204" pitchFamily="18" charset="0"/>
+                    <a:latin typeface="+mj-lt"/>
                     <a:ea typeface="Cambria Math" panose="02040503050406030204" pitchFamily="18" charset="0"/>
                   </a:rPr>
                   <a:t> </a:t>
                 </a:r>
                 <a:r>
                   <a:rPr lang="it-IT" sz="3204" dirty="0" err="1">
-                    <a:latin typeface="Cambria Math" panose="02040503050406030204" pitchFamily="18" charset="0"/>
+                    <a:latin typeface="+mj-lt"/>
                     <a:ea typeface="Cambria Math" panose="02040503050406030204" pitchFamily="18" charset="0"/>
                   </a:rPr>
                   <a:t>that</a:t>
                 </a:r>
                 <a:r>
                   <a:rPr lang="it-IT" sz="3204" dirty="0">
-                    <a:latin typeface="Cambria Math" panose="02040503050406030204" pitchFamily="18" charset="0"/>
+                    <a:latin typeface="+mj-lt"/>
                     <a:ea typeface="Cambria Math" panose="02040503050406030204" pitchFamily="18" charset="0"/>
                   </a:rPr>
-                  <a:t> L(</a:t>
-                </a:r>
-                <a:r>
-                  <a:rPr lang="it-IT" sz="3204" dirty="0"/>
-                  <a:t>V</a:t>
-                </a:r>
-                <a:r>
-                  <a:rPr lang="it-IT" sz="3204" baseline="-25000" dirty="0"/>
+                  <a:t> L(V</a:t>
+                </a:r>
+                <a:r>
+                  <a:rPr lang="it-IT" sz="3204" baseline="-25000" dirty="0">
+                    <a:latin typeface="+mj-lt"/>
+                    <a:ea typeface="Cambria Math" panose="02040503050406030204" pitchFamily="18" charset="0"/>
+                  </a:rPr>
                   <a:t>1</a:t>
                 </a:r>
                 <a:r>
-                  <a:rPr lang="it-IT" sz="3204" dirty="0"/>
+                  <a:rPr lang="it-IT" sz="3204" dirty="0">
+                    <a:latin typeface="+mj-lt"/>
+                    <a:ea typeface="Cambria Math" panose="02040503050406030204" pitchFamily="18" charset="0"/>
+                  </a:rPr>
                   <a:t>) = L(V</a:t>
                 </a:r>
                 <a:r>
-                  <a:rPr lang="it-IT" sz="3204" baseline="-25000" dirty="0"/>
+                  <a:rPr lang="it-IT" sz="3204" baseline="-25000" dirty="0">
+                    <a:latin typeface="+mj-lt"/>
+                    <a:ea typeface="Cambria Math" panose="02040503050406030204" pitchFamily="18" charset="0"/>
+                  </a:rPr>
                   <a:t>2</a:t>
                 </a:r>
                 <a:r>
-                  <a:rPr lang="it-IT" sz="3204" dirty="0"/>
+                  <a:rPr lang="it-IT" sz="3204" dirty="0">
+                    <a:latin typeface="+mj-lt"/>
+                    <a:ea typeface="Cambria Math" panose="02040503050406030204" pitchFamily="18" charset="0"/>
+                  </a:rPr>
                   <a:t>) </a:t>
                 </a:r>
               </a:p>
               <a:p>
                 <a:r>
                   <a:rPr lang="it-IT" sz="3204" dirty="0">
-                    <a:latin typeface="Cambria Math" panose="02040503050406030204" pitchFamily="18" charset="0"/>
+                    <a:latin typeface="+mj-lt"/>
                     <a:ea typeface="Cambria Math" panose="02040503050406030204" pitchFamily="18" charset="0"/>
                   </a:rPr>
                   <a:t>→ </a:t>
                 </a:r>
                 <a:r>
                   <a:rPr lang="it-IT" sz="3204" dirty="0" err="1">
-                    <a:latin typeface="Cambria Math" panose="02040503050406030204" pitchFamily="18" charset="0"/>
+                    <a:latin typeface="+mj-lt"/>
                     <a:ea typeface="Cambria Math" panose="02040503050406030204" pitchFamily="18" charset="0"/>
                   </a:rPr>
                   <a:t>Every</a:t>
                 </a:r>
                 <a:r>
                   <a:rPr lang="it-IT" sz="3204" dirty="0">
-                    <a:latin typeface="Cambria Math" panose="02040503050406030204" pitchFamily="18" charset="0"/>
+                    <a:latin typeface="+mj-lt"/>
                     <a:ea typeface="Cambria Math" panose="02040503050406030204" pitchFamily="18" charset="0"/>
                   </a:rPr>
                   <a:t> </a:t>
                 </a:r>
                 <a:r>
                   <a:rPr lang="it-IT" sz="3204" dirty="0" err="1">
-                    <a:latin typeface="Cambria Math" panose="02040503050406030204" pitchFamily="18" charset="0"/>
+                    <a:latin typeface="+mj-lt"/>
                     <a:ea typeface="Cambria Math" panose="02040503050406030204" pitchFamily="18" charset="0"/>
                   </a:rPr>
                   <a:t>binary</a:t>
                 </a:r>
                 <a:r>
                   <a:rPr lang="it-IT" sz="3204" dirty="0">
-                    <a:latin typeface="Cambria Math" panose="02040503050406030204" pitchFamily="18" charset="0"/>
+                    <a:latin typeface="+mj-lt"/>
                     <a:ea typeface="Cambria Math" panose="02040503050406030204" pitchFamily="18" charset="0"/>
                   </a:rPr>
                   <a:t> </a:t>
                 </a:r>
                 <a:r>
                   <a:rPr lang="it-IT" sz="3204" dirty="0" err="1">
-                    <a:latin typeface="Cambria Math" panose="02040503050406030204" pitchFamily="18" charset="0"/>
+                    <a:latin typeface="+mj-lt"/>
                     <a:ea typeface="Cambria Math" panose="02040503050406030204" pitchFamily="18" charset="0"/>
                   </a:rPr>
                   <a:t>operation</a:t>
                 </a:r>
                 <a:r>
                   <a:rPr lang="it-IT" sz="3204" dirty="0">
-                    <a:latin typeface="Cambria Math" panose="02040503050406030204" pitchFamily="18" charset="0"/>
+                    <a:latin typeface="+mj-lt"/>
                     <a:ea typeface="Cambria Math" panose="02040503050406030204" pitchFamily="18" charset="0"/>
                   </a:rPr>
                   <a:t> </a:t>
                 </a:r>
                 <a:br>
                   <a:rPr lang="it-IT" sz="3204" dirty="0">
-                    <a:latin typeface="Cambria Math" panose="02040503050406030204" pitchFamily="18" charset="0"/>
+                    <a:latin typeface="+mj-lt"/>
                     <a:ea typeface="Cambria Math" panose="02040503050406030204" pitchFamily="18" charset="0"/>
                   </a:rPr>
                 </a:br>
                 <a:r>
                   <a:rPr lang="it-IT" sz="3204" dirty="0" err="1">
-                    <a:latin typeface="Cambria Math" panose="02040503050406030204" pitchFamily="18" charset="0"/>
+                    <a:latin typeface="+mj-lt"/>
                     <a:ea typeface="Cambria Math" panose="02040503050406030204" pitchFamily="18" charset="0"/>
                   </a:rPr>
                   <a:t>between</a:t>
                 </a:r>
                 <a:r>
                   <a:rPr lang="it-IT" sz="3204" dirty="0">
-                    <a:latin typeface="Cambria Math" panose="02040503050406030204" pitchFamily="18" charset="0"/>
+                    <a:latin typeface="+mj-lt"/>
                     <a:ea typeface="Cambria Math" panose="02040503050406030204" pitchFamily="18" charset="0"/>
                   </a:rPr>
                   <a:t> 2 VPA </a:t>
                 </a:r>
                 <a:r>
                   <a:rPr lang="it-IT" sz="3204" dirty="0" err="1">
-                    <a:latin typeface="Cambria Math" panose="02040503050406030204" pitchFamily="18" charset="0"/>
+                    <a:latin typeface="+mj-lt"/>
                     <a:ea typeface="Cambria Math" panose="02040503050406030204" pitchFamily="18" charset="0"/>
                   </a:rPr>
                   <a:t>is</a:t>
                 </a:r>
                 <a:r>
                   <a:rPr lang="it-IT" sz="3204" dirty="0">
-                    <a:latin typeface="Cambria Math" panose="02040503050406030204" pitchFamily="18" charset="0"/>
+                    <a:latin typeface="+mj-lt"/>
                     <a:ea typeface="Cambria Math" panose="02040503050406030204" pitchFamily="18" charset="0"/>
                   </a:rPr>
                   <a:t> </a:t>
                 </a:r>
                 <a:r>
                   <a:rPr lang="it-IT" sz="3204" dirty="0" err="1">
-                    <a:latin typeface="Cambria Math" panose="02040503050406030204" pitchFamily="18" charset="0"/>
+                    <a:latin typeface="+mj-lt"/>
                     <a:ea typeface="Cambria Math" panose="02040503050406030204" pitchFamily="18" charset="0"/>
                   </a:rPr>
                   <a:t>decidable</a:t>
                 </a:r>
                 <a:r>
                   <a:rPr lang="it-IT" sz="3204" dirty="0">
-                    <a:latin typeface="Cambria Math" panose="02040503050406030204" pitchFamily="18" charset="0"/>
+                    <a:latin typeface="+mj-lt"/>
                     <a:ea typeface="Cambria Math" panose="02040503050406030204" pitchFamily="18" charset="0"/>
                   </a:rPr>
                   <a:t> !</a:t>
@@ -26067,7 +26082,7 @@
             <p:spPr>
               <a:xfrm>
                 <a:off x="15557087" y="9376506"/>
-                <a:ext cx="7545101" cy="2062103"/>
+                <a:ext cx="7545101" cy="2285540"/>
               </a:xfrm>
               <a:prstGeom prst="rect">
                 <a:avLst/>
@@ -26081,87 +26096,147 @@
               <a:lstStyle/>
               <a:p>
                 <a:r>
-                  <a:rPr lang="it-IT" sz="3200" dirty="0"/>
+                  <a:rPr lang="it-IT" sz="3200" dirty="0">
+                    <a:latin typeface="+mj-lt"/>
+                    <a:ea typeface="Cambria Math" panose="02040503050406030204" pitchFamily="18" charset="0"/>
+                  </a:rPr>
                   <a:t>VPA := </a:t>
                 </a:r>
                 <a:r>
-                  <a:rPr lang="it-IT" sz="3200" dirty="0" err="1"/>
+                  <a:rPr lang="it-IT" sz="3200" dirty="0" err="1">
+                    <a:latin typeface="+mj-lt"/>
+                    <a:ea typeface="Cambria Math" panose="02040503050406030204" pitchFamily="18" charset="0"/>
+                  </a:rPr>
                   <a:t>Visibly</a:t>
                 </a:r>
                 <a:r>
-                  <a:rPr lang="it-IT" sz="3200" dirty="0"/>
+                  <a:rPr lang="it-IT" sz="3200" dirty="0">
+                    <a:latin typeface="+mj-lt"/>
+                    <a:ea typeface="Cambria Math" panose="02040503050406030204" pitchFamily="18" charset="0"/>
+                  </a:rPr>
                   <a:t> </a:t>
                 </a:r>
                 <a:r>
-                  <a:rPr lang="it-IT" sz="3200" dirty="0" err="1"/>
+                  <a:rPr lang="it-IT" sz="3200" dirty="0" err="1">
+                    <a:latin typeface="+mj-lt"/>
+                    <a:ea typeface="Cambria Math" panose="02040503050406030204" pitchFamily="18" charset="0"/>
+                  </a:rPr>
                   <a:t>pushdown</a:t>
                 </a:r>
                 <a:r>
-                  <a:rPr lang="it-IT" sz="3200" dirty="0"/>
+                  <a:rPr lang="it-IT" sz="3200" dirty="0">
+                    <a:latin typeface="+mj-lt"/>
+                    <a:ea typeface="Cambria Math" panose="02040503050406030204" pitchFamily="18" charset="0"/>
+                  </a:rPr>
                   <a:t> </a:t>
                 </a:r>
                 <a:r>
-                  <a:rPr lang="it-IT" sz="3200" dirty="0" err="1"/>
+                  <a:rPr lang="it-IT" sz="3200" dirty="0" err="1">
+                    <a:latin typeface="+mj-lt"/>
+                    <a:ea typeface="Cambria Math" panose="02040503050406030204" pitchFamily="18" charset="0"/>
+                  </a:rPr>
                   <a:t>automata</a:t>
                 </a:r>
                 <a:r>
-                  <a:rPr lang="it-IT" sz="3200" dirty="0"/>
+                  <a:rPr lang="it-IT" sz="3200" dirty="0">
+                    <a:latin typeface="+mj-lt"/>
+                    <a:ea typeface="Cambria Math" panose="02040503050406030204" pitchFamily="18" charset="0"/>
+                  </a:rPr>
                   <a:t>.</a:t>
                 </a:r>
               </a:p>
               <a:p>
                 <a:r>
-                  <a:rPr lang="it-IT" sz="3200" dirty="0" err="1"/>
+                  <a:rPr lang="it-IT" sz="3200" dirty="0" err="1">
+                    <a:latin typeface="+mj-lt"/>
+                    <a:ea typeface="Cambria Math" panose="02040503050406030204" pitchFamily="18" charset="0"/>
+                  </a:rPr>
                   <a:t>They</a:t>
                 </a:r>
                 <a:r>
-                  <a:rPr lang="it-IT" sz="3200" dirty="0"/>
+                  <a:rPr lang="it-IT" sz="3200" dirty="0">
+                    <a:latin typeface="+mj-lt"/>
+                    <a:ea typeface="Cambria Math" panose="02040503050406030204" pitchFamily="18" charset="0"/>
+                  </a:rPr>
                   <a:t> can </a:t>
                 </a:r>
                 <a:r>
-                  <a:rPr lang="it-IT" sz="3200" dirty="0" err="1"/>
+                  <a:rPr lang="it-IT" sz="3200" dirty="0" err="1">
+                    <a:latin typeface="+mj-lt"/>
+                    <a:ea typeface="Cambria Math" panose="02040503050406030204" pitchFamily="18" charset="0"/>
+                  </a:rPr>
                   <a:t>recognize</a:t>
                 </a:r>
                 <a:r>
-                  <a:rPr lang="it-IT" sz="3200" dirty="0"/>
+                  <a:rPr lang="it-IT" sz="3200" dirty="0">
+                    <a:latin typeface="+mj-lt"/>
+                    <a:ea typeface="Cambria Math" panose="02040503050406030204" pitchFamily="18" charset="0"/>
+                  </a:rPr>
                   <a:t> </a:t>
                 </a:r>
                 <a:r>
-                  <a:rPr lang="it-IT" sz="3200" dirty="0" err="1"/>
+                  <a:rPr lang="it-IT" sz="3200" dirty="0" err="1">
+                    <a:latin typeface="+mj-lt"/>
+                    <a:ea typeface="Cambria Math" panose="02040503050406030204" pitchFamily="18" charset="0"/>
+                  </a:rPr>
                   <a:t>context</a:t>
                 </a:r>
                 <a:r>
-                  <a:rPr lang="it-IT" sz="3200" dirty="0"/>
+                  <a:rPr lang="it-IT" sz="3200" dirty="0">
+                    <a:latin typeface="+mj-lt"/>
+                    <a:ea typeface="Cambria Math" panose="02040503050406030204" pitchFamily="18" charset="0"/>
+                  </a:rPr>
                   <a:t> free </a:t>
                 </a:r>
                 <a:r>
-                  <a:rPr lang="it-IT" sz="3200" dirty="0" err="1"/>
+                  <a:rPr lang="it-IT" sz="3200" dirty="0" err="1">
+                    <a:latin typeface="+mj-lt"/>
+                    <a:ea typeface="Cambria Math" panose="02040503050406030204" pitchFamily="18" charset="0"/>
+                  </a:rPr>
                   <a:t>languagages</a:t>
                 </a:r>
                 <a:r>
-                  <a:rPr lang="it-IT" sz="3200" dirty="0"/>
+                  <a:rPr lang="it-IT" sz="3200" dirty="0">
+                    <a:latin typeface="+mj-lt"/>
+                    <a:ea typeface="Cambria Math" panose="02040503050406030204" pitchFamily="18" charset="0"/>
+                  </a:rPr>
                   <a:t>.</a:t>
                 </a:r>
               </a:p>
               <a:p>
                 <a:r>
-                  <a:rPr lang="it-IT" sz="3200" dirty="0"/>
+                  <a:rPr lang="it-IT" sz="3200" dirty="0">
+                    <a:latin typeface="+mj-lt"/>
+                    <a:ea typeface="Cambria Math" panose="02040503050406030204" pitchFamily="18" charset="0"/>
+                  </a:rPr>
                   <a:t>The </a:t>
                 </a:r>
                 <a:r>
-                  <a:rPr lang="it-IT" sz="3200" dirty="0" err="1"/>
+                  <a:rPr lang="it-IT" sz="3200" dirty="0" err="1">
+                    <a:latin typeface="+mj-lt"/>
+                    <a:ea typeface="Cambria Math" panose="02040503050406030204" pitchFamily="18" charset="0"/>
+                  </a:rPr>
                   <a:t>alphabet</a:t>
                 </a:r>
                 <a:r>
-                  <a:rPr lang="it-IT" sz="3200" dirty="0"/>
+                  <a:rPr lang="it-IT" sz="3200" dirty="0">
+                    <a:latin typeface="+mj-lt"/>
+                    <a:ea typeface="Cambria Math" panose="02040503050406030204" pitchFamily="18" charset="0"/>
+                  </a:rPr>
                   <a:t> </a:t>
                 </a:r>
                 <a:r>
-                  <a:rPr lang="it-IT" sz="3200" dirty="0" err="1"/>
+                  <a:rPr lang="it-IT" sz="3200" dirty="0" err="1">
+                    <a:latin typeface="+mj-lt"/>
+                    <a:ea typeface="Cambria Math" panose="02040503050406030204" pitchFamily="18" charset="0"/>
+                  </a:rPr>
                   <a:t>is</a:t>
                 </a:r>
                 <a:r>
-                  <a:rPr lang="it-IT" sz="3200" dirty="0"/>
+                  <a:rPr lang="it-IT" sz="3200" dirty="0">
+                    <a:latin typeface="+mj-lt"/>
+                    <a:ea typeface="Cambria Math" panose="02040503050406030204" pitchFamily="18" charset="0"/>
+                  </a:rPr>
                   <a:t> :</a:t>
                 </a:r>
               </a:p>
@@ -26343,45 +26418,89 @@
               <a:lstStyle/>
               <a:p>
                 <a:r>
-                  <a:rPr lang="it-IT" sz="2800" dirty="0"/>
-                  <a:t>XML (eXtensible Markup Language) </a:t>
-                </a:r>
-                <a:r>
-                  <a:rPr lang="it-IT" sz="2800" dirty="0" err="1"/>
+                  <a:rPr lang="it-IT" sz="2800" dirty="0">
+                    <a:latin typeface="Cambria Math" panose="02040503050406030204" pitchFamily="18" charset="0"/>
+                    <a:ea typeface="Cambria Math" panose="02040503050406030204" pitchFamily="18" charset="0"/>
+                  </a:rPr>
+                  <a:t>XML (</a:t>
+                </a:r>
+                <a:r>
+                  <a:rPr lang="it-IT" sz="2800" dirty="0">
+                    <a:latin typeface="+mj-lt"/>
+                    <a:ea typeface="Cambria Math" panose="02040503050406030204" pitchFamily="18" charset="0"/>
+                  </a:rPr>
+                  <a:t>eXtensible</a:t>
+                </a:r>
+                <a:r>
+                  <a:rPr lang="it-IT" sz="2800" dirty="0">
+                    <a:latin typeface="Cambria Math" panose="02040503050406030204" pitchFamily="18" charset="0"/>
+                    <a:ea typeface="Cambria Math" panose="02040503050406030204" pitchFamily="18" charset="0"/>
+                  </a:rPr>
+                  <a:t> Markup Language) </a:t>
+                </a:r>
+                <a:r>
+                  <a:rPr lang="it-IT" sz="2800" dirty="0" err="1">
+                    <a:latin typeface="Cambria Math" panose="02040503050406030204" pitchFamily="18" charset="0"/>
+                    <a:ea typeface="Cambria Math" panose="02040503050406030204" pitchFamily="18" charset="0"/>
+                  </a:rPr>
                   <a:t>is</a:t>
                 </a:r>
                 <a:r>
-                  <a:rPr lang="it-IT" sz="2800" dirty="0"/>
+                  <a:rPr lang="it-IT" sz="2800" dirty="0">
+                    <a:latin typeface="Cambria Math" panose="02040503050406030204" pitchFamily="18" charset="0"/>
+                    <a:ea typeface="Cambria Math" panose="02040503050406030204" pitchFamily="18" charset="0"/>
+                  </a:rPr>
                   <a:t> a standard format for data </a:t>
                 </a:r>
                 <a:r>
-                  <a:rPr lang="it-IT" sz="2800" dirty="0" err="1"/>
+                  <a:rPr lang="it-IT" sz="2800" dirty="0" err="1">
+                    <a:latin typeface="Cambria Math" panose="02040503050406030204" pitchFamily="18" charset="0"/>
+                    <a:ea typeface="Cambria Math" panose="02040503050406030204" pitchFamily="18" charset="0"/>
+                  </a:rPr>
                   <a:t>exchange</a:t>
                 </a:r>
                 <a:r>
-                  <a:rPr lang="it-IT" sz="2800" dirty="0"/>
+                  <a:rPr lang="it-IT" sz="2800" dirty="0">
+                    <a:latin typeface="Cambria Math" panose="02040503050406030204" pitchFamily="18" charset="0"/>
+                    <a:ea typeface="Cambria Math" panose="02040503050406030204" pitchFamily="18" charset="0"/>
+                  </a:rPr>
                   <a:t>. </a:t>
                 </a:r>
               </a:p>
               <a:p>
                 <a:r>
-                  <a:rPr lang="it-IT" sz="2800" b="1" dirty="0"/>
+                  <a:rPr lang="it-IT" sz="2800" b="1" dirty="0">
+                    <a:latin typeface="Cambria Math" panose="02040503050406030204" pitchFamily="18" charset="0"/>
+                    <a:ea typeface="Cambria Math" panose="02040503050406030204" pitchFamily="18" charset="0"/>
+                  </a:rPr>
                   <a:t>XML </a:t>
                 </a:r>
                 <a:r>
-                  <a:rPr lang="it-IT" sz="2800" dirty="0" err="1"/>
+                  <a:rPr lang="it-IT" sz="2800" dirty="0" err="1">
+                    <a:latin typeface="Cambria Math" panose="02040503050406030204" pitchFamily="18" charset="0"/>
+                    <a:ea typeface="Cambria Math" panose="02040503050406030204" pitchFamily="18" charset="0"/>
+                  </a:rPr>
                   <a:t>representable</a:t>
                 </a:r>
                 <a:r>
-                  <a:rPr lang="it-IT" sz="2800" dirty="0"/>
+                  <a:rPr lang="it-IT" sz="2800" dirty="0">
+                    <a:latin typeface="Cambria Math" panose="02040503050406030204" pitchFamily="18" charset="0"/>
+                    <a:ea typeface="Cambria Math" panose="02040503050406030204" pitchFamily="18" charset="0"/>
+                  </a:rPr>
                   <a:t> w/</a:t>
                 </a:r>
                 <a:r>
-                  <a:rPr lang="it-IT" sz="2800" b="1" dirty="0"/>
+                  <a:rPr lang="it-IT" sz="2800" b="1" dirty="0">
+                    <a:latin typeface="Cambria Math" panose="02040503050406030204" pitchFamily="18" charset="0"/>
+                    <a:ea typeface="Cambria Math" panose="02040503050406030204" pitchFamily="18" charset="0"/>
+                  </a:rPr>
                   <a:t>VPA</a:t>
                 </a:r>
                 <a:r>
-                  <a:rPr lang="it-IT" sz="2800" dirty="0"/>
+                  <a:rPr lang="it-IT" sz="2800" dirty="0">
+                    <a:latin typeface="Cambria Math" panose="02040503050406030204" pitchFamily="18" charset="0"/>
+                    <a:ea typeface="Cambria Math" panose="02040503050406030204" pitchFamily="18" charset="0"/>
+                  </a:rPr>
                   <a:t>!</a:t>
                 </a:r>
               </a:p>
@@ -26665,7 +26784,7 @@
           <p:spPr>
             <a:xfrm>
               <a:off x="300825" y="14755591"/>
-              <a:ext cx="5127055" cy="1384995"/>
+              <a:ext cx="5127055" cy="1815580"/>
             </a:xfrm>
             <a:prstGeom prst="rect">
               <a:avLst/>
@@ -26684,7 +26803,7 @@
               </a:r>
               <a:r>
                 <a:rPr lang="it-IT" sz="2803" dirty="0" err="1"/>
-                <a:t>automataon</a:t>
+                <a:t>automata</a:t>
               </a:r>
               <a:r>
                 <a:rPr lang="it-IT" sz="2803" dirty="0"/>
@@ -26712,7 +26831,15 @@
               </a:r>
               <a:r>
                 <a:rPr lang="it-IT" sz="2803" dirty="0"/>
-                <a:t> </a:t>
+                <a:t> (or </a:t>
+              </a:r>
+              <a:r>
+                <a:rPr lang="it-IT" sz="2803" dirty="0" err="1"/>
+                <a:t>canonical</a:t>
+              </a:r>
+              <a:r>
+                <a:rPr lang="it-IT" sz="2803" dirty="0"/>
+                <a:t>) </a:t>
               </a:r>
               <a:r>
                 <a:rPr lang="it-IT" sz="2803" dirty="0" err="1"/>
@@ -26802,7 +26929,7 @@
         </p:nvGrpSpPr>
         <p:grpSpPr>
           <a:xfrm>
-            <a:off x="956671" y="21122085"/>
+            <a:off x="1062038" y="20780368"/>
             <a:ext cx="4869085" cy="4195003"/>
             <a:chOff x="201694" y="13262336"/>
             <a:chExt cx="6866391" cy="4680895"/>
@@ -27444,7 +27571,15 @@
                 </a:r>
                 <a:r>
                   <a:rPr lang="it-IT" sz="3204" dirty="0"/>
-                  <a:t> Language (VPL), </a:t>
+                  <a:t> </a:t>
+                </a:r>
+                <a:r>
+                  <a:rPr lang="it-IT" sz="3204" dirty="0" err="1"/>
+                  <a:t>Languages</a:t>
+                </a:r>
+                <a:r>
+                  <a:rPr lang="it-IT" sz="3204" dirty="0"/>
+                  <a:t> (VPL), </a:t>
                 </a:r>
                 <a:r>
                   <a:rPr lang="it-IT" sz="3204" dirty="0" err="1"/>
@@ -27648,9 +27783,9 @@
         </p:nvGrpSpPr>
         <p:grpSpPr>
           <a:xfrm>
-            <a:off x="305189" y="32095463"/>
+            <a:off x="349922" y="32113030"/>
             <a:ext cx="8845727" cy="3092027"/>
-            <a:chOff x="300569" y="30099165"/>
+            <a:chOff x="345250" y="30116712"/>
             <a:chExt cx="8835523" cy="3088460"/>
           </a:xfrm>
         </p:grpSpPr>
@@ -27668,7 +27803,7 @@
           </p:nvSpPr>
           <p:spPr>
             <a:xfrm>
-              <a:off x="300569" y="30099165"/>
+              <a:off x="345250" y="30116712"/>
               <a:ext cx="8835523" cy="3088460"/>
             </a:xfrm>
             <a:prstGeom prst="wedgeEllipseCallout">
@@ -27734,8 +27869,8 @@
             </a:stretch>
           </p:blipFill>
           <p:spPr>
-            <a:xfrm>
-              <a:off x="809434" y="31199730"/>
+            <a:xfrm rot="19027585">
+              <a:off x="748544" y="31001073"/>
               <a:ext cx="2713177" cy="1011693"/>
             </a:xfrm>
             <a:prstGeom prst="rect">
@@ -27757,8 +27892,8 @@
           </p:nvSpPr>
           <p:spPr>
             <a:xfrm>
-              <a:off x="3572546" y="30580629"/>
-              <a:ext cx="5401573" cy="2554545"/>
+              <a:off x="3368224" y="30279640"/>
+              <a:ext cx="5339611" cy="2554800"/>
             </a:xfrm>
             <a:prstGeom prst="rect">
               <a:avLst/>
@@ -27776,6 +27911,7 @@
                   <a:solidFill>
                     <a:schemeClr val="bg1"/>
                   </a:solidFill>
+                  <a:latin typeface="+mj-lt"/>
                 </a:rPr>
                 <a:t>It</a:t>
               </a:r>
@@ -27784,6 +27920,7 @@
                   <a:solidFill>
                     <a:schemeClr val="bg1"/>
                   </a:solidFill>
+                  <a:latin typeface="+mj-lt"/>
                 </a:rPr>
                 <a:t> </a:t>
               </a:r>
@@ -27792,6 +27929,7 @@
                   <a:solidFill>
                     <a:schemeClr val="bg1"/>
                   </a:solidFill>
+                  <a:latin typeface="+mj-lt"/>
                 </a:rPr>
                 <a:t>is</a:t>
               </a:r>
@@ -27800,6 +27938,7 @@
                   <a:solidFill>
                     <a:schemeClr val="bg1"/>
                   </a:solidFill>
+                  <a:latin typeface="+mj-lt"/>
                 </a:rPr>
                 <a:t> a </a:t>
               </a:r>
@@ -27808,6 +27947,7 @@
                   <a:solidFill>
                     <a:schemeClr val="bg1"/>
                   </a:solidFill>
+                  <a:latin typeface="+mj-lt"/>
                 </a:rPr>
                 <a:t>couple</a:t>
               </a:r>
@@ -27816,16 +27956,54 @@
                   <a:solidFill>
                     <a:schemeClr val="bg1"/>
                   </a:solidFill>
+                  <a:latin typeface="+mj-lt"/>
                 </a:rPr>
-                <a:t> of words </a:t>
-              </a:r>
-            </a:p>
-            <a:p>
+                <a:t> of words, </a:t>
+              </a:r>
+              <a:r>
+                <a:rPr lang="it-IT" sz="3204" dirty="0" err="1">
+                  <a:solidFill>
+                    <a:schemeClr val="bg1"/>
+                  </a:solidFill>
+                  <a:latin typeface="+mj-lt"/>
+                </a:rPr>
+                <a:t>called</a:t>
+              </a:r>
               <a:r>
                 <a:rPr lang="it-IT" sz="3204" dirty="0">
                   <a:solidFill>
                     <a:schemeClr val="bg1"/>
                   </a:solidFill>
+                  <a:latin typeface="+mj-lt"/>
+                </a:rPr>
+                <a:t> </a:t>
+              </a:r>
+              <a:r>
+                <a:rPr lang="it-IT" sz="3204" dirty="0" err="1">
+                  <a:solidFill>
+                    <a:schemeClr val="bg1"/>
+                  </a:solidFill>
+                  <a:latin typeface="+mj-lt"/>
+                </a:rPr>
+                <a:t>well-matched</a:t>
+              </a:r>
+              <a:r>
+                <a:rPr lang="it-IT" sz="3204" dirty="0">
+                  <a:solidFill>
+                    <a:schemeClr val="bg1"/>
+                  </a:solidFill>
+                  <a:latin typeface="+mj-lt"/>
+                </a:rPr>
+                <a:t> words, </a:t>
+              </a:r>
+            </a:p>
+            <a:p>
+              <a:r>
+                <a:rPr lang="it-IT" sz="3204" dirty="0">
+                  <a:solidFill>
+                    <a:schemeClr val="bg1"/>
+                  </a:solidFill>
+                  <a:latin typeface="+mj-lt"/>
                 </a:rPr>
                 <a:t>u</a:t>
               </a:r>
@@ -27834,6 +28012,7 @@
                   <a:solidFill>
                     <a:schemeClr val="bg1"/>
                   </a:solidFill>
+                  <a:latin typeface="+mj-lt"/>
                 </a:rPr>
                 <a:t>1</a:t>
               </a:r>
@@ -27842,6 +28021,7 @@
                   <a:solidFill>
                     <a:schemeClr val="bg1"/>
                   </a:solidFill>
+                  <a:latin typeface="+mj-lt"/>
                 </a:rPr>
                 <a:t>, u</a:t>
               </a:r>
@@ -27850,6 +28030,7 @@
                   <a:solidFill>
                     <a:schemeClr val="bg1"/>
                   </a:solidFill>
+                  <a:latin typeface="+mj-lt"/>
                 </a:rPr>
                 <a:t>2 </a:t>
               </a:r>
@@ -27858,6 +28039,7 @@
                   <a:solidFill>
                     <a:schemeClr val="bg1"/>
                   </a:solidFill>
+                  <a:latin typeface="+mj-lt"/>
                 </a:rPr>
                 <a:t>such</a:t>
               </a:r>
@@ -27866,6 +28048,7 @@
                   <a:solidFill>
                     <a:schemeClr val="bg1"/>
                   </a:solidFill>
+                  <a:latin typeface="+mj-lt"/>
                 </a:rPr>
                 <a:t> </a:t>
               </a:r>
@@ -27874,6 +28057,7 @@
                   <a:solidFill>
                     <a:schemeClr val="bg1"/>
                   </a:solidFill>
+                  <a:latin typeface="+mj-lt"/>
                 </a:rPr>
                 <a:t>that</a:t>
               </a:r>
@@ -27882,24 +28066,34 @@
                   <a:solidFill>
                     <a:schemeClr val="bg1"/>
                   </a:solidFill>
+                  <a:latin typeface="+mj-lt"/>
                 </a:rPr>
-                <a:t> in </a:t>
-              </a:r>
-            </a:p>
-            <a:p>
+                <a:t> </a:t>
+              </a:r>
+              <a:r>
+                <a:rPr lang="it-IT" sz="3204" dirty="0" err="1">
+                  <a:solidFill>
+                    <a:schemeClr val="bg1"/>
+                  </a:solidFill>
+                  <a:latin typeface="+mj-lt"/>
+                </a:rPr>
+                <a:t>every</a:t>
+              </a:r>
               <a:r>
                 <a:rPr lang="it-IT" sz="3204" dirty="0">
                   <a:solidFill>
                     <a:schemeClr val="bg1"/>
                   </a:solidFill>
+                  <a:latin typeface="+mj-lt"/>
                 </a:rPr>
-                <a:t>u = u</a:t>
+                <a:t> call symbol of u = u</a:t>
               </a:r>
               <a:r>
                 <a:rPr lang="it-IT" sz="3204" baseline="-25000" dirty="0">
                   <a:solidFill>
                     <a:schemeClr val="bg1"/>
                   </a:solidFill>
+                  <a:latin typeface="+mj-lt"/>
                 </a:rPr>
                 <a:t>1 </a:t>
               </a:r>
@@ -27908,7 +28102,7 @@
                   <a:solidFill>
                     <a:schemeClr val="bg1"/>
                   </a:solidFill>
-                  <a:latin typeface="Cambria Math" panose="02040503050406030204" pitchFamily="18" charset="0"/>
+                  <a:latin typeface="+mj-lt"/>
                   <a:ea typeface="Cambria Math" panose="02040503050406030204" pitchFamily="18" charset="0"/>
                 </a:rPr>
                 <a:t>∘</a:t>
@@ -27918,6 +28112,7 @@
                   <a:solidFill>
                     <a:schemeClr val="bg1"/>
                   </a:solidFill>
+                  <a:latin typeface="+mj-lt"/>
                 </a:rPr>
                 <a:t> u</a:t>
               </a:r>
@@ -27926,6 +28121,7 @@
                   <a:solidFill>
                     <a:schemeClr val="bg1"/>
                   </a:solidFill>
+                  <a:latin typeface="+mj-lt"/>
                 </a:rPr>
                 <a:t>2</a:t>
               </a:r>
@@ -27934,6 +28130,7 @@
                   <a:solidFill>
                     <a:schemeClr val="bg1"/>
                   </a:solidFill>
+                  <a:latin typeface="+mj-lt"/>
                 </a:rPr>
                 <a:t> </a:t>
               </a:r>
@@ -27942,64 +28139,52 @@
                   <a:solidFill>
                     <a:schemeClr val="bg1"/>
                   </a:solidFill>
+                  <a:latin typeface="+mj-lt"/>
                 </a:rPr>
-                <a:t>each</a:t>
+                <a:t>has</a:t>
               </a:r>
               <a:r>
                 <a:rPr lang="it-IT" sz="3204" dirty="0">
                   <a:solidFill>
                     <a:schemeClr val="bg1"/>
                   </a:solidFill>
+                  <a:latin typeface="+mj-lt"/>
                 </a:rPr>
-                <a:t> call symbol </a:t>
+                <a:t> a </a:t>
               </a:r>
               <a:r>
                 <a:rPr lang="it-IT" sz="3204" dirty="0" err="1">
                   <a:solidFill>
                     <a:schemeClr val="bg1"/>
                   </a:solidFill>
+                  <a:latin typeface="+mj-lt"/>
                 </a:rPr>
-                <a:t>has</a:t>
+                <a:t>corresponding</a:t>
               </a:r>
               <a:r>
                 <a:rPr lang="it-IT" sz="3204" dirty="0">
                   <a:solidFill>
                     <a:schemeClr val="bg1"/>
                   </a:solidFill>
+                  <a:latin typeface="+mj-lt"/>
                 </a:rPr>
-                <a:t> a </a:t>
+                <a:t> </a:t>
               </a:r>
               <a:r>
                 <a:rPr lang="it-IT" sz="3204" dirty="0" err="1">
                   <a:solidFill>
                     <a:schemeClr val="bg1"/>
                   </a:solidFill>
+                  <a:latin typeface="+mj-lt"/>
                 </a:rPr>
-                <a:t>corresponding</a:t>
+                <a:t>ret</a:t>
               </a:r>
               <a:r>
                 <a:rPr lang="it-IT" sz="3204" dirty="0">
                   <a:solidFill>
                     <a:schemeClr val="bg1"/>
                   </a:solidFill>
-                </a:rPr>
-                <a:t> </a:t>
-              </a:r>
-            </a:p>
-            <a:p>
-              <a:r>
-                <a:rPr lang="it-IT" sz="3204" dirty="0" err="1">
-                  <a:solidFill>
-                    <a:schemeClr val="bg1"/>
-                  </a:solidFill>
-                </a:rPr>
-                <a:t>ret</a:t>
-              </a:r>
-              <a:r>
-                <a:rPr lang="it-IT" sz="3204" dirty="0">
-                  <a:solidFill>
-                    <a:schemeClr val="bg1"/>
-                  </a:solidFill>
+                  <a:latin typeface="+mj-lt"/>
                 </a:rPr>
                 <a:t> symbol</a:t>
               </a:r>
@@ -28021,7 +28206,7 @@
         </p:nvGrpSpPr>
         <p:grpSpPr>
           <a:xfrm>
-            <a:off x="11668751" y="25355228"/>
+            <a:off x="11672482" y="25355067"/>
             <a:ext cx="7206126" cy="4381027"/>
             <a:chOff x="20859535" y="14478483"/>
             <a:chExt cx="9939290" cy="3687193"/>
@@ -28243,8 +28428,8 @@
           </p:nvSpPr>
           <p:spPr>
             <a:xfrm>
-              <a:off x="21004802" y="15521465"/>
-              <a:ext cx="9481287" cy="2554545"/>
+              <a:off x="21004803" y="15521465"/>
+              <a:ext cx="9481287" cy="2152674"/>
             </a:xfrm>
             <a:prstGeom prst="rect">
               <a:avLst/>
@@ -28259,7 +28444,15 @@
             <a:p>
               <a:r>
                 <a:rPr lang="it-IT" sz="3204" dirty="0"/>
-                <a:t>From WM, </a:t>
+                <a:t>Thanks to </a:t>
+              </a:r>
+              <a:r>
+                <a:rPr lang="it-IT" sz="3204" dirty="0" err="1"/>
+                <a:t>Well-Matched</a:t>
+              </a:r>
+              <a:r>
+                <a:rPr lang="it-IT" sz="3204" dirty="0"/>
+                <a:t> words, </a:t>
               </a:r>
               <a:r>
                 <a:rPr lang="it-IT" sz="3204" dirty="0" err="1"/>
@@ -28267,11 +28460,11 @@
               </a:r>
               <a:r>
                 <a:rPr lang="it-IT" sz="3204" dirty="0"/>
-                <a:t> can build a </a:t>
+                <a:t> can build the </a:t>
               </a:r>
               <a:r>
                 <a:rPr lang="it-IT" sz="3204" dirty="0" err="1"/>
-                <a:t>particular</a:t>
+                <a:t>Discrimination</a:t>
               </a:r>
               <a:r>
                 <a:rPr lang="it-IT" sz="3204" dirty="0"/>
@@ -28279,7 +28472,25 @@
               </a:r>
               <a:r>
                 <a:rPr lang="it-IT" sz="3204" dirty="0" err="1"/>
-                <a:t>binary</a:t>
+                <a:t>tree</a:t>
+              </a:r>
+              <a:r>
+                <a:rPr lang="it-IT" sz="3204" dirty="0"/>
+                <a:t> :</a:t>
+              </a:r>
+            </a:p>
+            <a:p>
+              <a:pPr marL="457200" indent="-457200">
+                <a:buFont typeface="Arial" panose="020B0604020202020204" pitchFamily="34" charset="0"/>
+                <a:buChar char="•"/>
+              </a:pPr>
+              <a:r>
+                <a:rPr lang="it-IT" sz="3204" dirty="0"/>
+                <a:t>Inner </a:t>
+              </a:r>
+              <a:r>
+                <a:rPr lang="it-IT" sz="3204" dirty="0" err="1"/>
+                <a:t>Nodes</a:t>
               </a:r>
               <a:r>
                 <a:rPr lang="it-IT" sz="3204" dirty="0"/>
@@ -28287,89 +28498,53 @@
               </a:r>
               <a:r>
                 <a:rPr lang="it-IT" sz="3204" dirty="0" err="1"/>
-                <a:t>tree</a:t>
+                <a:t>contain</a:t>
               </a:r>
               <a:r>
                 <a:rPr lang="it-IT" sz="3204" dirty="0"/>
-                <a:t> </a:t>
+                <a:t> a </a:t>
               </a:r>
               <a:r>
                 <a:rPr lang="it-IT" sz="3204" dirty="0" err="1"/>
-                <a:t>called</a:t>
+                <a:t>couple</a:t>
               </a:r>
               <a:r>
                 <a:rPr lang="it-IT" sz="3204" dirty="0"/>
-                <a:t> </a:t>
+                <a:t> (u</a:t>
+              </a:r>
+              <a:r>
+                <a:rPr lang="it-IT" sz="3204" baseline="-25000" dirty="0"/>
+                <a:t>1</a:t>
+              </a:r>
+              <a:r>
+                <a:rPr lang="it-IT" sz="3204" dirty="0"/>
+                <a:t>, u</a:t>
+              </a:r>
+              <a:r>
+                <a:rPr lang="it-IT" sz="3204" baseline="-25000" dirty="0"/>
+                <a:t>2</a:t>
+              </a:r>
+              <a:r>
+                <a:rPr lang="it-IT" sz="3204" dirty="0"/>
+                <a:t>) </a:t>
               </a:r>
               <a:r>
                 <a:rPr lang="it-IT" sz="3204" dirty="0" err="1"/>
-                <a:t>Discrimination</a:t>
+                <a:t>forming</a:t>
               </a:r>
               <a:r>
                 <a:rPr lang="it-IT" sz="3204" dirty="0"/>
-                <a:t> </a:t>
-              </a:r>
-              <a:r>
-                <a:rPr lang="it-IT" sz="3204" dirty="0" err="1"/>
-                <a:t>tree</a:t>
-              </a:r>
-              <a:r>
-                <a:rPr lang="it-IT" sz="3204" dirty="0"/>
-                <a:t>.</a:t>
+                <a:t> a WM</a:t>
               </a:r>
             </a:p>
             <a:p>
+              <a:pPr marL="457200" indent="-457200">
+                <a:buFont typeface="Arial" panose="020B0604020202020204" pitchFamily="34" charset="0"/>
+                <a:buChar char="•"/>
+              </a:pPr>
               <a:r>
                 <a:rPr lang="it-IT" sz="3204" dirty="0"/>
-                <a:t>Inner </a:t>
-              </a:r>
-              <a:r>
-                <a:rPr lang="it-IT" sz="3204" dirty="0" err="1"/>
-                <a:t>Nodes</a:t>
-              </a:r>
-              <a:r>
-                <a:rPr lang="it-IT" sz="3204" dirty="0"/>
-                <a:t> </a:t>
-              </a:r>
-              <a:r>
-                <a:rPr lang="it-IT" sz="3204" dirty="0" err="1"/>
-                <a:t>contain</a:t>
-              </a:r>
-              <a:r>
-                <a:rPr lang="it-IT" sz="3204" dirty="0"/>
-                <a:t> a </a:t>
-              </a:r>
-              <a:r>
-                <a:rPr lang="it-IT" sz="3204" dirty="0" err="1"/>
-                <a:t>couple</a:t>
-              </a:r>
-              <a:r>
-                <a:rPr lang="it-IT" sz="3204" dirty="0"/>
-                <a:t> (u</a:t>
-              </a:r>
-              <a:r>
-                <a:rPr lang="it-IT" sz="3204" baseline="-25000" dirty="0"/>
-                <a:t>1</a:t>
-              </a:r>
-              <a:r>
-                <a:rPr lang="it-IT" sz="3204" dirty="0"/>
-                <a:t>, u</a:t>
-              </a:r>
-              <a:r>
-                <a:rPr lang="it-IT" sz="3204" baseline="-25000" dirty="0"/>
-                <a:t>2</a:t>
-              </a:r>
-              <a:r>
-                <a:rPr lang="it-IT" sz="3204" dirty="0"/>
-                <a:t>) and </a:t>
-              </a:r>
-              <a:r>
-                <a:rPr lang="it-IT" sz="3204" dirty="0" err="1"/>
-                <a:t>leaves</a:t>
-              </a:r>
-              <a:r>
-                <a:rPr lang="it-IT" sz="3204" dirty="0"/>
-                <a:t> are </a:t>
+                <a:t>Leaves are </a:t>
               </a:r>
               <a:r>
                 <a:rPr lang="it-IT" sz="3204" dirty="0" err="1"/>
@@ -28405,10 +28580,10 @@
         </p:nvGrpSpPr>
         <p:grpSpPr>
           <a:xfrm>
-            <a:off x="19677403" y="24887770"/>
-            <a:ext cx="5600997" cy="2934125"/>
-            <a:chOff x="20859535" y="14478487"/>
-            <a:chExt cx="9939290" cy="2930740"/>
+            <a:off x="19672768" y="25347081"/>
+            <a:ext cx="5600997" cy="2428057"/>
+            <a:chOff x="20859535" y="14478488"/>
+            <a:chExt cx="9939290" cy="2425256"/>
           </a:xfrm>
         </p:grpSpPr>
         <p:grpSp>
@@ -28425,10 +28600,10 @@
           </p:nvGrpSpPr>
           <p:grpSpPr>
             <a:xfrm>
-              <a:off x="20859535" y="14478487"/>
-              <a:ext cx="9939290" cy="2930740"/>
+              <a:off x="20859535" y="14478488"/>
+              <a:ext cx="9939290" cy="2425256"/>
               <a:chOff x="2890044" y="16687800"/>
-              <a:chExt cx="13686696" cy="4160529"/>
+              <a:chExt cx="13686696" cy="3442935"/>
             </a:xfrm>
           </p:grpSpPr>
           <p:grpSp>
@@ -28446,9 +28621,9 @@
             <p:grpSpPr>
               <a:xfrm>
                 <a:off x="2890044" y="16687800"/>
-                <a:ext cx="13686696" cy="4160529"/>
+                <a:ext cx="13686696" cy="3442935"/>
                 <a:chOff x="2890044" y="16687800"/>
-                <a:chExt cx="13686696" cy="4160529"/>
+                <a:chExt cx="13686696" cy="3442935"/>
               </a:xfrm>
             </p:grpSpPr>
             <p:sp>
@@ -28513,8 +28688,8 @@
               </p:nvSpPr>
               <p:spPr>
                 <a:xfrm>
-                  <a:off x="2890044" y="17818432"/>
-                  <a:ext cx="13686696" cy="3029897"/>
+                  <a:off x="2890044" y="17818433"/>
+                  <a:ext cx="13686696" cy="2312302"/>
                 </a:xfrm>
                 <a:prstGeom prst="roundRect">
                   <a:avLst>
@@ -28620,7 +28795,7 @@
           <p:spPr>
             <a:xfrm>
               <a:off x="20953979" y="15280900"/>
-              <a:ext cx="9635227" cy="2062103"/>
+              <a:ext cx="9635227" cy="1569771"/>
             </a:xfrm>
             <a:prstGeom prst="rect">
               <a:avLst/>
@@ -28643,7 +28818,7 @@
               </a:r>
               <a:r>
                 <a:rPr lang="it-IT" sz="3204" dirty="0"/>
-                <a:t> the VPA </a:t>
+                <a:t> the </a:t>
               </a:r>
               <a:r>
                 <a:rPr lang="it-IT" sz="3204" dirty="0" err="1"/>
@@ -28651,7 +28826,7 @@
               </a:r>
               <a:r>
                 <a:rPr lang="it-IT" sz="3204" dirty="0"/>
-                <a:t> and </a:t>
+                <a:t> of the VPA and </a:t>
               </a:r>
               <a:r>
                 <a:rPr lang="it-IT" sz="3204" dirty="0" err="1"/>
@@ -28659,31 +28834,7 @@
               </a:r>
               <a:r>
                 <a:rPr lang="it-IT" sz="3204" dirty="0"/>
-                <a:t> Membership </a:t>
-              </a:r>
-              <a:r>
-                <a:rPr lang="it-IT" sz="3204" dirty="0" err="1"/>
-                <a:t>questions</a:t>
-              </a:r>
-              <a:r>
-                <a:rPr lang="it-IT" sz="3204" dirty="0"/>
-                <a:t>, </a:t>
-              </a:r>
-              <a:r>
-                <a:rPr lang="it-IT" sz="3204" dirty="0" err="1"/>
-                <a:t>we</a:t>
-              </a:r>
-              <a:r>
-                <a:rPr lang="it-IT" sz="3204" dirty="0"/>
-                <a:t> build the </a:t>
-              </a:r>
-              <a:r>
-                <a:rPr lang="it-IT" sz="3204" dirty="0" err="1"/>
-                <a:t>corresponding</a:t>
-              </a:r>
-              <a:r>
-                <a:rPr lang="it-IT" sz="3204" dirty="0"/>
-                <a:t> VPA</a:t>
+                <a:t> Membership queries</a:t>
               </a:r>
             </a:p>
           </p:txBody>
@@ -29538,15 +29689,15 @@
           </p:spPr>
           <p:style>
             <a:lnRef idx="2">
-              <a:schemeClr val="accent2">
+              <a:schemeClr val="accent5">
                 <a:shade val="50000"/>
               </a:schemeClr>
             </a:lnRef>
             <a:fillRef idx="1">
-              <a:schemeClr val="accent2"/>
+              <a:schemeClr val="accent5"/>
             </a:fillRef>
             <a:effectRef idx="0">
-              <a:schemeClr val="accent2"/>
+              <a:schemeClr val="accent5"/>
             </a:effectRef>
             <a:fontRef idx="minor">
               <a:schemeClr val="lt1"/>
@@ -30009,53 +30160,6 @@
           </a:prstGeom>
         </p:spPr>
       </p:pic>
-      <p:pic>
-        <p:nvPicPr>
-          <p:cNvPr id="302" name="Picture 8" descr="QR Codes As A Marketing Tool">
-            <a:extLst>
-              <a:ext uri="{FF2B5EF4-FFF2-40B4-BE49-F238E27FC236}">
-                <a16:creationId xmlns:a16="http://schemas.microsoft.com/office/drawing/2014/main" id="{EE519B93-6148-4EC8-475D-8FBB32D174FF}"/>
-              </a:ext>
-            </a:extLst>
-          </p:cNvPr>
-          <p:cNvPicPr>
-            <a:picLocks noChangeAspect="1" noChangeArrowheads="1"/>
-          </p:cNvPicPr>
-          <p:nvPr/>
-        </p:nvPicPr>
-        <p:blipFill>
-          <a:blip r:embed="rId25">
-            <a:extLst>
-              <a:ext uri="{28A0092B-C50C-407E-A947-70E740481C1C}">
-                <a14:useLocalDpi xmlns:a14="http://schemas.microsoft.com/office/drawing/2010/main" val="0"/>
-              </a:ext>
-            </a:extLst>
-          </a:blip>
-          <a:srcRect/>
-          <a:stretch>
-            <a:fillRect/>
-          </a:stretch>
-        </p:blipFill>
-        <p:spPr bwMode="auto">
-          <a:xfrm>
-            <a:off x="5005794" y="38731758"/>
-            <a:ext cx="1993188" cy="1981464"/>
-          </a:xfrm>
-          <a:prstGeom prst="rect">
-            <a:avLst/>
-          </a:prstGeom>
-          <a:noFill/>
-          <a:extLst>
-            <a:ext uri="{909E8E84-426E-40DD-AFC4-6F175D3DCCD1}">
-              <a14:hiddenFill xmlns:a14="http://schemas.microsoft.com/office/drawing/2010/main">
-                <a:solidFill>
-                  <a:srgbClr val="FFFFFF"/>
-                </a:solidFill>
-              </a14:hiddenFill>
-            </a:ext>
-          </a:extLst>
-        </p:spPr>
-      </p:pic>
       <p:grpSp>
         <p:nvGrpSpPr>
           <p:cNvPr id="143" name="Gruppo 142">
@@ -30091,7 +30195,7 @@
             <p:nvPr/>
           </p:nvPicPr>
           <p:blipFill>
-            <a:blip r:embed="rId26">
+            <a:blip r:embed="rId25">
               <a:extLst>
                 <a:ext uri="{28A0092B-C50C-407E-A947-70E740481C1C}">
                   <a14:useLocalDpi xmlns:a14="http://schemas.microsoft.com/office/drawing/2010/main" val="0"/>
@@ -30127,7 +30231,7 @@
             <p:nvPr/>
           </p:nvPicPr>
           <p:blipFill>
-            <a:blip r:embed="rId26">
+            <a:blip r:embed="rId25">
               <a:extLst>
                 <a:ext uri="{28A0092B-C50C-407E-A947-70E740481C1C}">
                   <a14:useLocalDpi xmlns:a14="http://schemas.microsoft.com/office/drawing/2010/main" val="0"/>
@@ -30163,7 +30267,7 @@
             <p:nvPr/>
           </p:nvPicPr>
           <p:blipFill>
-            <a:blip r:embed="rId26">
+            <a:blip r:embed="rId25">
               <a:extLst>
                 <a:ext uri="{28A0092B-C50C-407E-A947-70E740481C1C}">
                   <a14:useLocalDpi xmlns:a14="http://schemas.microsoft.com/office/drawing/2010/main" val="0"/>
@@ -30199,7 +30303,7 @@
         </p:nvSpPr>
         <p:spPr>
           <a:xfrm>
-            <a:off x="17475196" y="40030523"/>
+            <a:off x="17852878" y="39711179"/>
             <a:ext cx="3000635" cy="1053672"/>
           </a:xfrm>
           <a:prstGeom prst="wedgeRoundRectCallout">
@@ -30831,52 +30935,6 @@
       </p:sp>
       <p:sp>
         <p:nvSpPr>
-          <p:cNvPr id="5" name="Freccia in giù 4">
-            <a:extLst>
-              <a:ext uri="{FF2B5EF4-FFF2-40B4-BE49-F238E27FC236}">
-                <a16:creationId xmlns:a16="http://schemas.microsoft.com/office/drawing/2014/main" id="{A90DCF59-48D0-5CF1-41BF-67BC965D4F7D}"/>
-              </a:ext>
-            </a:extLst>
-          </p:cNvPr>
-          <p:cNvSpPr/>
-          <p:nvPr/>
-        </p:nvSpPr>
-        <p:spPr>
-          <a:xfrm>
-            <a:off x="16908106" y="29997528"/>
-            <a:ext cx="644742" cy="1036931"/>
-          </a:xfrm>
-          <a:prstGeom prst="downArrow">
-            <a:avLst/>
-          </a:prstGeom>
-        </p:spPr>
-        <p:style>
-          <a:lnRef idx="2">
-            <a:schemeClr val="accent1">
-              <a:shade val="50000"/>
-            </a:schemeClr>
-          </a:lnRef>
-          <a:fillRef idx="1">
-            <a:schemeClr val="accent1"/>
-          </a:fillRef>
-          <a:effectRef idx="0">
-            <a:schemeClr val="accent1"/>
-          </a:effectRef>
-          <a:fontRef idx="minor">
-            <a:schemeClr val="lt1"/>
-          </a:fontRef>
-        </p:style>
-        <p:txBody>
-          <a:bodyPr rtlCol="0" anchor="ctr"/>
-          <a:lstStyle/>
-          <a:p>
-            <a:pPr algn="ctr"/>
-            <a:endParaRPr lang="it-IT"/>
-          </a:p>
-        </p:txBody>
-      </p:sp>
-      <p:sp>
-        <p:nvSpPr>
           <p:cNvPr id="165" name="Freccia curva 164">
             <a:extLst>
               <a:ext uri="{FF2B5EF4-FFF2-40B4-BE49-F238E27FC236}">
@@ -31054,7 +31112,7 @@
         </p:nvSpPr>
         <p:spPr>
           <a:xfrm>
-            <a:off x="16908106" y="29997529"/>
+            <a:off x="14892465" y="29958263"/>
             <a:ext cx="644742" cy="1036931"/>
           </a:xfrm>
           <a:prstGeom prst="downArrow">
@@ -31132,6 +31190,104 @@
           </a:p>
         </p:txBody>
       </p:sp>
+      <p:sp>
+        <p:nvSpPr>
+          <p:cNvPr id="157" name="Fumetto: rettangolo con angoli arrotondati 156">
+            <a:extLst>
+              <a:ext uri="{FF2B5EF4-FFF2-40B4-BE49-F238E27FC236}">
+                <a16:creationId xmlns:a16="http://schemas.microsoft.com/office/drawing/2014/main" id="{1AC2322A-359F-16D8-42B5-049377DB7F71}"/>
+              </a:ext>
+            </a:extLst>
+          </p:cNvPr>
+          <p:cNvSpPr/>
+          <p:nvPr/>
+        </p:nvSpPr>
+        <p:spPr>
+          <a:xfrm>
+            <a:off x="14624498" y="40099680"/>
+            <a:ext cx="3000635" cy="1053672"/>
+          </a:xfrm>
+          <a:prstGeom prst="wedgeRoundRectCallout">
+            <a:avLst>
+              <a:gd name="adj1" fmla="val -18008"/>
+              <a:gd name="adj2" fmla="val -79509"/>
+              <a:gd name="adj3" fmla="val 16667"/>
+            </a:avLst>
+          </a:prstGeom>
+        </p:spPr>
+        <p:style>
+          <a:lnRef idx="2">
+            <a:schemeClr val="accent6"/>
+          </a:lnRef>
+          <a:fillRef idx="1">
+            <a:schemeClr val="lt1"/>
+          </a:fillRef>
+          <a:effectRef idx="0">
+            <a:schemeClr val="accent6"/>
+          </a:effectRef>
+          <a:fontRef idx="minor">
+            <a:schemeClr val="dk1"/>
+          </a:fontRef>
+        </p:style>
+        <p:txBody>
+          <a:bodyPr rtlCol="0" anchor="ctr"/>
+          <a:lstStyle/>
+          <a:p>
+            <a:pPr algn="ctr"/>
+            <a:r>
+              <a:rPr lang="it-IT" sz="2800" dirty="0" err="1"/>
+              <a:t>This</a:t>
+            </a:r>
+            <a:r>
+              <a:rPr lang="it-IT" sz="2800" dirty="0"/>
+              <a:t> </a:t>
+            </a:r>
+            <a:r>
+              <a:rPr lang="it-IT" sz="2800" dirty="0" err="1"/>
+              <a:t>is</a:t>
+            </a:r>
+            <a:r>
+              <a:rPr lang="it-IT" sz="2800" dirty="0"/>
+              <a:t> the bottom state</a:t>
+            </a:r>
+          </a:p>
+        </p:txBody>
+      </p:sp>
+      <p:pic>
+        <p:nvPicPr>
+          <p:cNvPr id="7" name="Immagine 6">
+            <a:extLst>
+              <a:ext uri="{FF2B5EF4-FFF2-40B4-BE49-F238E27FC236}">
+                <a16:creationId xmlns:a16="http://schemas.microsoft.com/office/drawing/2014/main" id="{80CC29F6-E293-25F8-D0EF-6C373DD6670D}"/>
+              </a:ext>
+            </a:extLst>
+          </p:cNvPr>
+          <p:cNvPicPr>
+            <a:picLocks noChangeAspect="1"/>
+          </p:cNvPicPr>
+          <p:nvPr/>
+        </p:nvPicPr>
+        <p:blipFill rotWithShape="1">
+          <a:blip r:embed="rId26">
+            <a:extLst>
+              <a:ext uri="{28A0092B-C50C-407E-A947-70E740481C1C}">
+                <a14:useLocalDpi xmlns:a14="http://schemas.microsoft.com/office/drawing/2010/main" val="0"/>
+              </a:ext>
+            </a:extLst>
+          </a:blip>
+          <a:srcRect l="7983" t="7437" r="7794" b="7910"/>
+          <a:stretch/>
+        </p:blipFill>
+        <p:spPr>
+          <a:xfrm>
+            <a:off x="4930689" y="38534565"/>
+            <a:ext cx="2322562" cy="2334478"/>
+          </a:xfrm>
+          <a:prstGeom prst="rect">
+            <a:avLst/>
+          </a:prstGeom>
+        </p:spPr>
+      </p:pic>
     </p:spTree>
     <p:extLst>
       <p:ext uri="{BB962C8B-B14F-4D97-AF65-F5344CB8AC3E}">
